--- a/Presentation.pptx
+++ b/Presentation.pptx
@@ -10,6 +10,7 @@
     <p:sldId id="258" r:id="rId4"/>
     <p:sldId id="259" r:id="rId5"/>
     <p:sldId id="260" r:id="rId6"/>
+    <p:sldId id="261" r:id="rId7"/>
   </p:sldIdLst>
   <p:sldSz cx="12192000" cy="6858000"/>
   <p:notesSz cx="6858000" cy="9144000"/>
@@ -108,6 +109,11 @@
       </a:defRPr>
     </a:lvl9pPr>
   </p:defaultTextStyle>
+  <p:extLst>
+    <p:ext uri="{EFAFB233-063F-42B5-8137-9DF3F51BA10A}">
+      <p15:sldGuideLst xmlns:p15="http://schemas.microsoft.com/office/powerpoint/2012/main"/>
+    </p:ext>
+  </p:extLst>
 </p:presentation>
 </file>
 
@@ -307,7 +313,7 @@
           <a:p>
             <a:fld id="{173F38D6-7943-42F7-AC19-BACE844A9D2B}" type="datetimeFigureOut">
               <a:rPr lang="en-US" smtClean="0"/>
-              <a:t>2018-12-15</a:t>
+              <a:t>2018-12-16</a:t>
             </a:fld>
             <a:endParaRPr lang="en-US"/>
           </a:p>
@@ -528,7 +534,7 @@
           <a:p>
             <a:fld id="{173F38D6-7943-42F7-AC19-BACE844A9D2B}" type="datetimeFigureOut">
               <a:rPr lang="en-US" smtClean="0"/>
-              <a:t>2018-12-15</a:t>
+              <a:t>2018-12-16</a:t>
             </a:fld>
             <a:endParaRPr lang="en-US"/>
           </a:p>
@@ -708,7 +714,7 @@
           <a:p>
             <a:fld id="{173F38D6-7943-42F7-AC19-BACE844A9D2B}" type="datetimeFigureOut">
               <a:rPr lang="en-US" smtClean="0"/>
-              <a:t>2018-12-15</a:t>
+              <a:t>2018-12-16</a:t>
             </a:fld>
             <a:endParaRPr lang="en-US"/>
           </a:p>
@@ -878,7 +884,7 @@
           <a:p>
             <a:fld id="{173F38D6-7943-42F7-AC19-BACE844A9D2B}" type="datetimeFigureOut">
               <a:rPr lang="en-US" smtClean="0"/>
-              <a:t>2018-12-15</a:t>
+              <a:t>2018-12-16</a:t>
             </a:fld>
             <a:endParaRPr lang="en-US"/>
           </a:p>
@@ -1129,7 +1135,7 @@
           <a:p>
             <a:fld id="{173F38D6-7943-42F7-AC19-BACE844A9D2B}" type="datetimeFigureOut">
               <a:rPr lang="en-US" smtClean="0"/>
-              <a:t>2018-12-15</a:t>
+              <a:t>2018-12-16</a:t>
             </a:fld>
             <a:endParaRPr lang="en-US"/>
           </a:p>
@@ -1452,7 +1458,7 @@
           <a:p>
             <a:fld id="{173F38D6-7943-42F7-AC19-BACE844A9D2B}" type="datetimeFigureOut">
               <a:rPr lang="en-US" smtClean="0"/>
-              <a:t>2018-12-15</a:t>
+              <a:t>2018-12-16</a:t>
             </a:fld>
             <a:endParaRPr lang="en-US"/>
           </a:p>
@@ -1876,7 +1882,7 @@
           <a:p>
             <a:fld id="{173F38D6-7943-42F7-AC19-BACE844A9D2B}" type="datetimeFigureOut">
               <a:rPr lang="en-US" smtClean="0"/>
-              <a:t>2018-12-15</a:t>
+              <a:t>2018-12-16</a:t>
             </a:fld>
             <a:endParaRPr lang="en-US"/>
           </a:p>
@@ -1994,7 +2000,7 @@
           <a:p>
             <a:fld id="{173F38D6-7943-42F7-AC19-BACE844A9D2B}" type="datetimeFigureOut">
               <a:rPr lang="en-US" smtClean="0"/>
-              <a:t>2018-12-15</a:t>
+              <a:t>2018-12-16</a:t>
             </a:fld>
             <a:endParaRPr lang="en-US"/>
           </a:p>
@@ -2089,7 +2095,7 @@
           <a:p>
             <a:fld id="{173F38D6-7943-42F7-AC19-BACE844A9D2B}" type="datetimeFigureOut">
               <a:rPr lang="en-US" smtClean="0"/>
-              <a:t>2018-12-15</a:t>
+              <a:t>2018-12-16</a:t>
             </a:fld>
             <a:endParaRPr lang="en-US"/>
           </a:p>
@@ -2379,7 +2385,7 @@
           <a:p>
             <a:fld id="{173F38D6-7943-42F7-AC19-BACE844A9D2B}" type="datetimeFigureOut">
               <a:rPr lang="en-US" smtClean="0"/>
-              <a:t>2018-12-15</a:t>
+              <a:t>2018-12-16</a:t>
             </a:fld>
             <a:endParaRPr lang="en-US"/>
           </a:p>
@@ -2651,7 +2657,7 @@
           <a:p>
             <a:fld id="{173F38D6-7943-42F7-AC19-BACE844A9D2B}" type="datetimeFigureOut">
               <a:rPr lang="en-US" smtClean="0"/>
-              <a:t>2018-12-15</a:t>
+              <a:t>2018-12-16</a:t>
             </a:fld>
             <a:endParaRPr lang="en-US"/>
           </a:p>
@@ -2905,7 +2911,7 @@
           <a:p>
             <a:fld id="{173F38D6-7943-42F7-AC19-BACE844A9D2B}" type="datetimeFigureOut">
               <a:rPr lang="en-US" smtClean="0"/>
-              <a:t>2018-12-15</a:t>
+              <a:t>2018-12-16</a:t>
             </a:fld>
             <a:endParaRPr lang="en-US"/>
           </a:p>
@@ -4220,7 +4226,14 @@
                 <a:latin typeface="IRANSans Medium" panose="02040503050201020203" pitchFamily="18" charset="-78"/>
                 <a:cs typeface="IRANSans Medium" panose="02040503050201020203" pitchFamily="18" charset="-78"/>
               </a:rPr>
-              <a:t>طراحی به صورت </a:t>
+              <a:t>طراحی </a:t>
+            </a:r>
+            <a:r>
+              <a:rPr lang="fa-IR" sz="2400" dirty="0" smtClean="0">
+                <a:latin typeface="IRANSans Medium" panose="02040503050201020203" pitchFamily="18" charset="-78"/>
+                <a:cs typeface="IRANSans Medium" panose="02040503050201020203" pitchFamily="18" charset="-78"/>
+              </a:rPr>
+              <a:t>استاندارد </a:t>
             </a:r>
             <a:r>
               <a:rPr lang="en-US" sz="2400" dirty="0" smtClean="0">
@@ -4229,6 +4242,10 @@
               </a:rPr>
               <a:t>DIP</a:t>
             </a:r>
+            <a:endParaRPr lang="en-US" sz="2400" dirty="0" smtClean="0">
+              <a:latin typeface="IRANSans Medium" panose="02040503050201020203" pitchFamily="18" charset="-78"/>
+              <a:cs typeface="IRANSans Medium" panose="02040503050201020203" pitchFamily="18" charset="-78"/>
+            </a:endParaRPr>
           </a:p>
           <a:p>
             <a:pPr algn="r" rtl="1">
@@ -4512,6 +4529,202 @@
     <p:extLst>
       <p:ext uri="{BB962C8B-B14F-4D97-AF65-F5344CB8AC3E}">
         <p14:creationId xmlns:p14="http://schemas.microsoft.com/office/powerpoint/2010/main" val="1881539822"/>
+      </p:ext>
+    </p:extLst>
+  </p:cSld>
+  <p:clrMapOvr>
+    <a:masterClrMapping/>
+  </p:clrMapOvr>
+</p:sld>
+</file>
+
+<file path=ppt/slides/slide6.xml><?xml version="1.0" encoding="utf-8"?>
+<p:sld xmlns:a="http://schemas.openxmlformats.org/drawingml/2006/main" xmlns:r="http://schemas.openxmlformats.org/officeDocument/2006/relationships" xmlns:p="http://schemas.openxmlformats.org/presentationml/2006/main">
+  <p:cSld>
+    <p:spTree>
+      <p:nvGrpSpPr>
+        <p:cNvPr id="1" name=""/>
+        <p:cNvGrpSpPr/>
+        <p:nvPr/>
+      </p:nvGrpSpPr>
+      <p:grpSpPr>
+        <a:xfrm>
+          <a:off x="0" y="0"/>
+          <a:ext cx="0" cy="0"/>
+          <a:chOff x="0" y="0"/>
+          <a:chExt cx="0" cy="0"/>
+        </a:xfrm>
+      </p:grpSpPr>
+      <p:grpSp>
+        <p:nvGrpSpPr>
+          <p:cNvPr id="7" name="Group 6"/>
+          <p:cNvGrpSpPr/>
+          <p:nvPr/>
+        </p:nvGrpSpPr>
+        <p:grpSpPr>
+          <a:xfrm>
+            <a:off x="4347257" y="607006"/>
+            <a:ext cx="3277223" cy="5977010"/>
+            <a:chOff x="1468120" y="1000760"/>
+            <a:chExt cx="2829560" cy="5160561"/>
+          </a:xfrm>
+        </p:grpSpPr>
+        <p:pic>
+          <p:nvPicPr>
+            <p:cNvPr id="4" name="Picture 3"/>
+            <p:cNvPicPr>
+              <a:picLocks noChangeAspect="1"/>
+            </p:cNvPicPr>
+            <p:nvPr/>
+          </p:nvPicPr>
+          <p:blipFill>
+            <a:blip r:embed="rId2" cstate="print">
+              <a:extLst>
+                <a:ext uri="{28A0092B-C50C-407E-A947-70E740481C1C}">
+                  <a14:useLocalDpi xmlns:a14="http://schemas.microsoft.com/office/drawing/2010/main" val="0"/>
+                </a:ext>
+              </a:extLst>
+            </a:blip>
+            <a:stretch>
+              <a:fillRect/>
+            </a:stretch>
+          </p:blipFill>
+          <p:spPr>
+            <a:xfrm>
+              <a:off x="1770902" y="1147313"/>
+              <a:ext cx="2404671" cy="4942936"/>
+            </a:xfrm>
+            <a:prstGeom prst="rect">
+              <a:avLst/>
+            </a:prstGeom>
+          </p:spPr>
+        </p:pic>
+        <p:sp>
+          <p:nvSpPr>
+            <p:cNvPr id="5" name="Rectangle 4"/>
+            <p:cNvSpPr/>
+            <p:nvPr/>
+          </p:nvSpPr>
+          <p:spPr>
+            <a:xfrm>
+              <a:off x="1549400" y="1000760"/>
+              <a:ext cx="2748280" cy="441960"/>
+            </a:xfrm>
+            <a:prstGeom prst="rect">
+              <a:avLst/>
+            </a:prstGeom>
+            <a:solidFill>
+              <a:schemeClr val="bg1"/>
+            </a:solidFill>
+            <a:ln>
+              <a:noFill/>
+            </a:ln>
+          </p:spPr>
+          <p:style>
+            <a:lnRef idx="2">
+              <a:schemeClr val="accent1">
+                <a:shade val="50000"/>
+              </a:schemeClr>
+            </a:lnRef>
+            <a:fillRef idx="1">
+              <a:schemeClr val="accent1"/>
+            </a:fillRef>
+            <a:effectRef idx="0">
+              <a:schemeClr val="accent1"/>
+            </a:effectRef>
+            <a:fontRef idx="minor">
+              <a:schemeClr val="lt1"/>
+            </a:fontRef>
+          </p:style>
+          <p:txBody>
+            <a:bodyPr rtlCol="0" anchor="ctr"/>
+            <a:lstStyle/>
+            <a:p>
+              <a:pPr algn="ctr"/>
+              <a:endParaRPr lang="en-US"/>
+            </a:p>
+          </p:txBody>
+        </p:sp>
+        <p:sp>
+          <p:nvSpPr>
+            <p:cNvPr id="6" name="Rectangle 5"/>
+            <p:cNvSpPr/>
+            <p:nvPr/>
+          </p:nvSpPr>
+          <p:spPr>
+            <a:xfrm>
+              <a:off x="1468120" y="5719361"/>
+              <a:ext cx="2748280" cy="441960"/>
+            </a:xfrm>
+            <a:prstGeom prst="rect">
+              <a:avLst/>
+            </a:prstGeom>
+            <a:solidFill>
+              <a:schemeClr val="bg1"/>
+            </a:solidFill>
+            <a:ln>
+              <a:noFill/>
+            </a:ln>
+          </p:spPr>
+          <p:style>
+            <a:lnRef idx="2">
+              <a:schemeClr val="accent1">
+                <a:shade val="50000"/>
+              </a:schemeClr>
+            </a:lnRef>
+            <a:fillRef idx="1">
+              <a:schemeClr val="accent1"/>
+            </a:fillRef>
+            <a:effectRef idx="0">
+              <a:schemeClr val="accent1"/>
+            </a:effectRef>
+            <a:fontRef idx="minor">
+              <a:schemeClr val="lt1"/>
+            </a:fontRef>
+          </p:style>
+          <p:txBody>
+            <a:bodyPr rtlCol="0" anchor="ctr"/>
+            <a:lstStyle/>
+            <a:p>
+              <a:pPr algn="ctr"/>
+              <a:endParaRPr lang="en-US"/>
+            </a:p>
+          </p:txBody>
+        </p:sp>
+      </p:grpSp>
+      <p:sp>
+        <p:nvSpPr>
+          <p:cNvPr id="2" name="Title 1"/>
+          <p:cNvSpPr>
+            <a:spLocks noGrp="1"/>
+          </p:cNvSpPr>
+          <p:nvPr>
+            <p:ph type="title"/>
+          </p:nvPr>
+        </p:nvSpPr>
+        <p:spPr>
+          <a:xfrm>
+            <a:off x="1048109" y="0"/>
+            <a:ext cx="9875520" cy="1356360"/>
+          </a:xfrm>
+        </p:spPr>
+        <p:txBody>
+          <a:bodyPr/>
+          <a:lstStyle/>
+          <a:p>
+            <a:pPr algn="ctr"/>
+            <a:r>
+              <a:rPr lang="en-US" smtClean="0"/>
+              <a:t>Application</a:t>
+            </a:r>
+            <a:endParaRPr lang="en-US"/>
+          </a:p>
+        </p:txBody>
+      </p:sp>
+    </p:spTree>
+    <p:extLst>
+      <p:ext uri="{BB962C8B-B14F-4D97-AF65-F5344CB8AC3E}">
+        <p14:creationId xmlns:p14="http://schemas.microsoft.com/office/powerpoint/2010/main" val="3882202440"/>
       </p:ext>
     </p:extLst>
   </p:cSld>
